--- a/irene code dashboard/Airline Delays1.pptx
+++ b/irene code dashboard/Airline Delays1.pptx
@@ -9,12 +9,12 @@
     <p:sldId id="258" r:id="rId3"/>
     <p:sldId id="262" r:id="rId4"/>
     <p:sldId id="260" r:id="rId5"/>
-    <p:sldId id="264" r:id="rId6"/>
-    <p:sldId id="269" r:id="rId7"/>
-    <p:sldId id="268" r:id="rId8"/>
-    <p:sldId id="267" r:id="rId9"/>
-    <p:sldId id="259" r:id="rId10"/>
-    <p:sldId id="261" r:id="rId11"/>
+    <p:sldId id="270" r:id="rId6"/>
+    <p:sldId id="264" r:id="rId7"/>
+    <p:sldId id="269" r:id="rId8"/>
+    <p:sldId id="268" r:id="rId9"/>
+    <p:sldId id="267" r:id="rId10"/>
+    <p:sldId id="259" r:id="rId11"/>
   </p:sldIdLst>
   <p:sldSz cx="12192000" cy="6858000"/>
   <p:notesSz cx="6858000" cy="9144000"/>
@@ -365,7 +365,7 @@
           <a:p>
             <a:fld id="{9184DA70-C731-4C70-880D-CCD4705E623C}" type="datetime1">
               <a:rPr lang="en-US" smtClean="0"/>
-              <a:t>1/19/2021</a:t>
+              <a:t>1/20/2021</a:t>
             </a:fld>
             <a:endParaRPr lang="en-US" dirty="0"/>
           </a:p>
@@ -553,7 +553,7 @@
           <a:p>
             <a:fld id="{B612A279-0833-481D-8C56-F67FD0AC6C50}" type="datetime1">
               <a:rPr lang="en-US" smtClean="0"/>
-              <a:t>1/19/2021</a:t>
+              <a:t>1/20/2021</a:t>
             </a:fld>
             <a:endParaRPr lang="en-US" dirty="0"/>
           </a:p>
@@ -795,7 +795,7 @@
           <a:p>
             <a:fld id="{6587DA83-5663-4C9C-B9AA-0B40A3DAFF81}" type="datetime1">
               <a:rPr lang="en-US" smtClean="0"/>
-              <a:t>1/19/2021</a:t>
+              <a:t>1/20/2021</a:t>
             </a:fld>
             <a:endParaRPr lang="en-US" dirty="0"/>
           </a:p>
@@ -983,7 +983,7 @@
           <a:p>
             <a:fld id="{4BE1D723-8F53-4F53-90B0-1982A396982E}" type="datetime1">
               <a:rPr lang="en-US" smtClean="0"/>
-              <a:t>1/19/2021</a:t>
+              <a:t>1/20/2021</a:t>
             </a:fld>
             <a:endParaRPr lang="en-US" dirty="0"/>
           </a:p>
@@ -1356,7 +1356,7 @@
           <a:p>
             <a:fld id="{97669AF7-7BEB-44E4-9852-375E34362B5B}" type="datetime1">
               <a:rPr lang="en-US" smtClean="0"/>
-              <a:t>1/19/2021</a:t>
+              <a:t>1/20/2021</a:t>
             </a:fld>
             <a:endParaRPr lang="en-US" dirty="0"/>
           </a:p>
@@ -1611,7 +1611,7 @@
           <a:p>
             <a:fld id="{BAAAC38D-0552-4C82-B593-E6124DFADBE2}" type="datetime1">
               <a:rPr lang="en-US" smtClean="0"/>
-              <a:t>1/19/2021</a:t>
+              <a:t>1/20/2021</a:t>
             </a:fld>
             <a:endParaRPr lang="en-US" dirty="0"/>
           </a:p>
@@ -2008,7 +2008,7 @@
           <a:p>
             <a:fld id="{D9DF0F1C-5577-4ACB-BB62-DF8F3C494C7E}" type="datetime1">
               <a:rPr lang="en-US" smtClean="0"/>
-              <a:t>1/19/2021</a:t>
+              <a:t>1/20/2021</a:t>
             </a:fld>
             <a:endParaRPr lang="en-US" dirty="0"/>
           </a:p>
@@ -2144,7 +2144,7 @@
           <a:p>
             <a:fld id="{1775B394-D9F9-4F0C-B15D-605F45CB9E9F}" type="datetime1">
               <a:rPr lang="en-US" smtClean="0"/>
-              <a:t>1/19/2021</a:t>
+              <a:t>1/20/2021</a:t>
             </a:fld>
             <a:endParaRPr lang="en-US" dirty="0"/>
           </a:p>
@@ -2301,7 +2301,7 @@
           <a:p>
             <a:fld id="{39667345-2558-425A-8533-9BFDBCE15005}" type="datetime1">
               <a:rPr lang="en-US" smtClean="0"/>
-              <a:t>1/19/2021</a:t>
+              <a:t>1/20/2021</a:t>
             </a:fld>
             <a:endParaRPr lang="en-US" dirty="0"/>
           </a:p>
@@ -2630,7 +2630,7 @@
           <a:p>
             <a:fld id="{92BEA474-078D-4E9B-9B14-09A87B19DC46}" type="datetime1">
               <a:rPr lang="en-US" smtClean="0"/>
-              <a:t>1/19/2021</a:t>
+              <a:t>1/20/2021</a:t>
             </a:fld>
             <a:endParaRPr lang="en-US" dirty="0"/>
           </a:p>
@@ -2980,7 +2980,7 @@
           <a:p>
             <a:fld id="{4907D986-8816-4272-A432-0437A28A9828}" type="datetime1">
               <a:rPr lang="en-US" smtClean="0"/>
-              <a:t>1/19/2021</a:t>
+              <a:t>1/20/2021</a:t>
             </a:fld>
             <a:endParaRPr lang="en-US" dirty="0"/>
           </a:p>
@@ -3241,7 +3241,7 @@
           <a:p>
             <a:fld id="{62D6E202-B606-4609-B914-27C9371A1F6D}" type="datetime1">
               <a:rPr lang="en-US" smtClean="0"/>
-              <a:t>1/19/2021</a:t>
+              <a:t>1/20/2021</a:t>
             </a:fld>
             <a:endParaRPr lang="en-US" dirty="0"/>
           </a:p>
@@ -3890,10 +3890,10 @@
       </p:grpSpPr>
       <p:sp>
         <p:nvSpPr>
-          <p:cNvPr id="2" name="Title 1">
-            <a:extLst>
-              <a:ext uri="{FF2B5EF4-FFF2-40B4-BE49-F238E27FC236}">
-                <a16:creationId xmlns:a16="http://schemas.microsoft.com/office/drawing/2014/main" id="{134F24FE-6AB9-43DE-8062-8300D4B2D91D}"/>
+          <p:cNvPr id="5" name="Title 4">
+            <a:extLst>
+              <a:ext uri="{FF2B5EF4-FFF2-40B4-BE49-F238E27FC236}">
+                <a16:creationId xmlns:a16="http://schemas.microsoft.com/office/drawing/2014/main" id="{C21B59AB-EED7-42F2-BCBD-FF45FDFE35D1}"/>
               </a:ext>
             </a:extLst>
           </p:cNvPr>
@@ -3904,119 +3904,114 @@
             <p:ph type="title"/>
           </p:nvPr>
         </p:nvSpPr>
+        <p:spPr>
+          <a:xfrm>
+            <a:off x="1097280" y="286603"/>
+            <a:ext cx="10058400" cy="837347"/>
+          </a:xfrm>
+        </p:spPr>
+        <p:txBody>
+          <a:bodyPr>
+            <a:normAutofit/>
+          </a:bodyPr>
+          <a:lstStyle/>
+          <a:p>
+            <a:r>
+              <a:rPr lang="en-US" sz="2400" dirty="0"/>
+              <a:t>Added </a:t>
+            </a:r>
+            <a:r>
+              <a:rPr lang="en-US" sz="2400" dirty="0" err="1"/>
+              <a:t>js</a:t>
+            </a:r>
+            <a:r>
+              <a:rPr lang="en-US" sz="2400" dirty="0"/>
+              <a:t> library feature</a:t>
+            </a:r>
+          </a:p>
+        </p:txBody>
+      </p:sp>
+      <p:pic>
+        <p:nvPicPr>
+          <p:cNvPr id="8" name="Content Placeholder 7">
+            <a:extLst>
+              <a:ext uri="{FF2B5EF4-FFF2-40B4-BE49-F238E27FC236}">
+                <a16:creationId xmlns:a16="http://schemas.microsoft.com/office/drawing/2014/main" id="{987F505A-7B42-4ED6-A525-F5F80E7380D4}"/>
+              </a:ext>
+            </a:extLst>
+          </p:cNvPr>
+          <p:cNvPicPr>
+            <a:picLocks noGrp="1" noChangeAspect="1"/>
+          </p:cNvPicPr>
+          <p:nvPr>
+            <p:ph sz="half" idx="1"/>
+          </p:nvPr>
+        </p:nvPicPr>
+        <p:blipFill>
+          <a:blip r:embed="rId2"/>
+          <a:stretch>
+            <a:fillRect/>
+          </a:stretch>
+        </p:blipFill>
+        <p:spPr>
+          <a:xfrm>
+            <a:off x="235751" y="2305050"/>
+            <a:ext cx="5501474" cy="2561103"/>
+          </a:xfrm>
+          <a:prstGeom prst="rect">
+            <a:avLst/>
+          </a:prstGeom>
+        </p:spPr>
+      </p:pic>
+      <p:sp>
+        <p:nvSpPr>
+          <p:cNvPr id="7" name="Content Placeholder 6">
+            <a:extLst>
+              <a:ext uri="{FF2B5EF4-FFF2-40B4-BE49-F238E27FC236}">
+                <a16:creationId xmlns:a16="http://schemas.microsoft.com/office/drawing/2014/main" id="{DB68A820-76E3-4D97-81C3-943F3330D5E7}"/>
+              </a:ext>
+            </a:extLst>
+          </p:cNvPr>
+          <p:cNvSpPr>
+            <a:spLocks noGrp="1"/>
+          </p:cNvSpPr>
+          <p:nvPr>
+            <p:ph sz="half" idx="2"/>
+          </p:nvPr>
+        </p:nvSpPr>
         <p:spPr/>
         <p:txBody>
           <a:bodyPr/>
           <a:lstStyle/>
           <a:p>
-            <a:endParaRPr lang="en-US"/>
-          </a:p>
-        </p:txBody>
-      </p:sp>
-      <p:sp>
-        <p:nvSpPr>
-          <p:cNvPr id="3" name="Text Placeholder 2">
-            <a:extLst>
-              <a:ext uri="{FF2B5EF4-FFF2-40B4-BE49-F238E27FC236}">
-                <a16:creationId xmlns:a16="http://schemas.microsoft.com/office/drawing/2014/main" id="{335C32F2-01C9-4680-90BA-03360908C52C}"/>
-              </a:ext>
-            </a:extLst>
-          </p:cNvPr>
-          <p:cNvSpPr>
-            <a:spLocks noGrp="1"/>
-          </p:cNvSpPr>
-          <p:nvPr>
-            <p:ph type="body" idx="1"/>
-          </p:nvPr>
-        </p:nvSpPr>
-        <p:spPr/>
-        <p:txBody>
-          <a:bodyPr/>
-          <a:lstStyle/>
-          <a:p>
-            <a:endParaRPr lang="en-US"/>
-          </a:p>
-        </p:txBody>
-      </p:sp>
-      <p:sp>
-        <p:nvSpPr>
-          <p:cNvPr id="4" name="Content Placeholder 3">
-            <a:extLst>
-              <a:ext uri="{FF2B5EF4-FFF2-40B4-BE49-F238E27FC236}">
-                <a16:creationId xmlns:a16="http://schemas.microsoft.com/office/drawing/2014/main" id="{BC1BD105-ECDE-4426-A0BC-0D1ED322F14B}"/>
-              </a:ext>
-            </a:extLst>
-          </p:cNvPr>
-          <p:cNvSpPr>
-            <a:spLocks noGrp="1"/>
-          </p:cNvSpPr>
-          <p:nvPr>
-            <p:ph sz="half" idx="2"/>
-          </p:nvPr>
-        </p:nvSpPr>
-        <p:spPr/>
-        <p:txBody>
-          <a:bodyPr/>
-          <a:lstStyle/>
-          <a:p>
-            <a:endParaRPr lang="en-US"/>
-          </a:p>
-        </p:txBody>
-      </p:sp>
-      <p:sp>
-        <p:nvSpPr>
-          <p:cNvPr id="5" name="Text Placeholder 4">
-            <a:extLst>
-              <a:ext uri="{FF2B5EF4-FFF2-40B4-BE49-F238E27FC236}">
-                <a16:creationId xmlns:a16="http://schemas.microsoft.com/office/drawing/2014/main" id="{7E1D495B-4D78-4DF8-B725-B77F208DE1E0}"/>
-              </a:ext>
-            </a:extLst>
-          </p:cNvPr>
-          <p:cNvSpPr>
-            <a:spLocks noGrp="1"/>
-          </p:cNvSpPr>
-          <p:nvPr>
-            <p:ph type="body" sz="quarter" idx="3"/>
-          </p:nvPr>
-        </p:nvSpPr>
-        <p:spPr/>
-        <p:txBody>
-          <a:bodyPr/>
-          <a:lstStyle/>
-          <a:p>
-            <a:endParaRPr lang="en-US"/>
-          </a:p>
-        </p:txBody>
-      </p:sp>
-      <p:sp>
-        <p:nvSpPr>
-          <p:cNvPr id="6" name="Content Placeholder 5">
-            <a:extLst>
-              <a:ext uri="{FF2B5EF4-FFF2-40B4-BE49-F238E27FC236}">
-                <a16:creationId xmlns:a16="http://schemas.microsoft.com/office/drawing/2014/main" id="{532F8B1E-2307-4F16-A000-E6684BC67417}"/>
-              </a:ext>
-            </a:extLst>
-          </p:cNvPr>
-          <p:cNvSpPr>
-            <a:spLocks noGrp="1"/>
-          </p:cNvSpPr>
-          <p:nvPr>
-            <p:ph sz="quarter" idx="4"/>
-          </p:nvPr>
-        </p:nvSpPr>
-        <p:spPr/>
-        <p:txBody>
-          <a:bodyPr/>
-          <a:lstStyle/>
-          <a:p>
-            <a:endParaRPr lang="en-US"/>
+            <a:endParaRPr lang="en-US" dirty="0"/>
+          </a:p>
+          <a:p>
+            <a:pPr>
+              <a:buFont typeface="Arial" panose="020B0604020202020204" pitchFamily="34" charset="0"/>
+              <a:buChar char="•"/>
+            </a:pPr>
+            <a:r>
+              <a:rPr lang="en-US" dirty="0"/>
+              <a:t>Js plug in that allows data compilation</a:t>
+            </a:r>
+          </a:p>
+          <a:p>
+            <a:pPr>
+              <a:buFont typeface="Arial" panose="020B0604020202020204" pitchFamily="34" charset="0"/>
+              <a:buChar char="•"/>
+            </a:pPr>
+            <a:r>
+              <a:rPr lang="en-US" dirty="0"/>
+              <a:t>Pagination and search features.</a:t>
+            </a:r>
           </a:p>
         </p:txBody>
       </p:sp>
     </p:spTree>
     <p:extLst>
       <p:ext uri="{BB962C8B-B14F-4D97-AF65-F5344CB8AC3E}">
-        <p14:creationId xmlns:p14="http://schemas.microsoft.com/office/powerpoint/2010/main" val="3420386634"/>
+        <p14:creationId xmlns:p14="http://schemas.microsoft.com/office/powerpoint/2010/main" val="584990827"/>
       </p:ext>
     </p:extLst>
   </p:cSld>
@@ -4676,6 +4671,64 @@
           <p:cNvPr id="2" name="Title 1">
             <a:extLst>
               <a:ext uri="{FF2B5EF4-FFF2-40B4-BE49-F238E27FC236}">
+                <a16:creationId xmlns:a16="http://schemas.microsoft.com/office/drawing/2014/main" id="{4FBB124A-73AE-4975-96C5-50C64BB96CA0}"/>
+              </a:ext>
+            </a:extLst>
+          </p:cNvPr>
+          <p:cNvSpPr>
+            <a:spLocks noGrp="1"/>
+          </p:cNvSpPr>
+          <p:nvPr>
+            <p:ph type="title"/>
+          </p:nvPr>
+        </p:nvSpPr>
+        <p:spPr/>
+        <p:txBody>
+          <a:bodyPr/>
+          <a:lstStyle/>
+          <a:p>
+            <a:r>
+              <a:rPr lang="en-US" dirty="0"/>
+              <a:t>Break slide</a:t>
+            </a:r>
+          </a:p>
+        </p:txBody>
+      </p:sp>
+    </p:spTree>
+    <p:extLst>
+      <p:ext uri="{BB962C8B-B14F-4D97-AF65-F5344CB8AC3E}">
+        <p14:creationId xmlns:p14="http://schemas.microsoft.com/office/powerpoint/2010/main" val="3007361262"/>
+      </p:ext>
+    </p:extLst>
+  </p:cSld>
+  <p:clrMapOvr>
+    <a:masterClrMapping/>
+  </p:clrMapOvr>
+</p:sld>
+</file>
+
+<file path=ppt/slides/slide6.xml><?xml version="1.0" encoding="utf-8"?>
+<p:sld xmlns:a="http://schemas.openxmlformats.org/drawingml/2006/main" xmlns:r="http://schemas.openxmlformats.org/officeDocument/2006/relationships" xmlns:p="http://schemas.openxmlformats.org/presentationml/2006/main">
+  <p:cSld>
+    <p:spTree>
+      <p:nvGrpSpPr>
+        <p:cNvPr id="1" name=""/>
+        <p:cNvGrpSpPr/>
+        <p:nvPr/>
+      </p:nvGrpSpPr>
+      <p:grpSpPr>
+        <a:xfrm>
+          <a:off x="0" y="0"/>
+          <a:ext cx="0" cy="0"/>
+          <a:chOff x="0" y="0"/>
+          <a:chExt cx="0" cy="0"/>
+        </a:xfrm>
+      </p:grpSpPr>
+      <p:sp>
+        <p:nvSpPr>
+          <p:cNvPr id="2" name="Title 1">
+            <a:extLst>
+              <a:ext uri="{FF2B5EF4-FFF2-40B4-BE49-F238E27FC236}">
                 <a16:creationId xmlns:a16="http://schemas.microsoft.com/office/drawing/2014/main" id="{7606C9AD-1687-4839-BD8B-91380DFBBCBE}"/>
               </a:ext>
             </a:extLst>
@@ -4717,7 +4770,12 @@
             <p:ph sz="half" idx="1"/>
           </p:nvPr>
         </p:nvSpPr>
-        <p:spPr/>
+        <p:spPr>
+          <a:xfrm>
+            <a:off x="692458" y="2120900"/>
+            <a:ext cx="5403542" cy="3748194"/>
+          </a:xfrm>
+        </p:spPr>
         <p:txBody>
           <a:bodyPr>
             <a:normAutofit fontScale="92500" lnSpcReduction="20000"/>
@@ -4828,6 +4886,36 @@
           </a:p>
         </p:txBody>
       </p:sp>
+      <p:pic>
+        <p:nvPicPr>
+          <p:cNvPr id="5" name="Picture 4">
+            <a:extLst>
+              <a:ext uri="{FF2B5EF4-FFF2-40B4-BE49-F238E27FC236}">
+                <a16:creationId xmlns:a16="http://schemas.microsoft.com/office/drawing/2014/main" id="{22FB9487-28C4-44AA-93BB-B59F98CBCCD5}"/>
+              </a:ext>
+            </a:extLst>
+          </p:cNvPr>
+          <p:cNvPicPr>
+            <a:picLocks noChangeAspect="1"/>
+          </p:cNvPicPr>
+          <p:nvPr/>
+        </p:nvPicPr>
+        <p:blipFill>
+          <a:blip r:embed="rId2"/>
+          <a:stretch>
+            <a:fillRect/>
+          </a:stretch>
+        </p:blipFill>
+        <p:spPr>
+          <a:xfrm>
+            <a:off x="798990" y="1838175"/>
+            <a:ext cx="4973473" cy="3710369"/>
+          </a:xfrm>
+          <a:prstGeom prst="rect">
+            <a:avLst/>
+          </a:prstGeom>
+        </p:spPr>
+      </p:pic>
     </p:spTree>
     <p:extLst>
       <p:ext uri="{BB962C8B-B14F-4D97-AF65-F5344CB8AC3E}">
@@ -4841,7 +4929,7 @@
 </p:sld>
 </file>
 
-<file path=ppt/slides/slide6.xml><?xml version="1.0" encoding="utf-8"?>
+<file path=ppt/slides/slide7.xml><?xml version="1.0" encoding="utf-8"?>
 <p:sld xmlns:a="http://schemas.openxmlformats.org/drawingml/2006/main" xmlns:r="http://schemas.openxmlformats.org/officeDocument/2006/relationships" xmlns:p="http://schemas.openxmlformats.org/presentationml/2006/main">
   <p:cSld>
     <p:spTree>
@@ -5027,7 +5115,7 @@
 </p:sld>
 </file>
 
-<file path=ppt/slides/slide7.xml><?xml version="1.0" encoding="utf-8"?>
+<file path=ppt/slides/slide8.xml><?xml version="1.0" encoding="utf-8"?>
 <p:sld xmlns:a="http://schemas.openxmlformats.org/drawingml/2006/main" xmlns:r="http://schemas.openxmlformats.org/officeDocument/2006/relationships" xmlns:p="http://schemas.openxmlformats.org/presentationml/2006/main">
   <p:cSld>
     <p:spTree>
@@ -5213,189 +5301,6 @@
 </p:sld>
 </file>
 
-<file path=ppt/slides/slide8.xml><?xml version="1.0" encoding="utf-8"?>
-<p:sld xmlns:a="http://schemas.openxmlformats.org/drawingml/2006/main" xmlns:r="http://schemas.openxmlformats.org/officeDocument/2006/relationships" xmlns:p="http://schemas.openxmlformats.org/presentationml/2006/main">
-  <p:cSld>
-    <p:spTree>
-      <p:nvGrpSpPr>
-        <p:cNvPr id="1" name=""/>
-        <p:cNvGrpSpPr/>
-        <p:nvPr/>
-      </p:nvGrpSpPr>
-      <p:grpSpPr>
-        <a:xfrm>
-          <a:off x="0" y="0"/>
-          <a:ext cx="0" cy="0"/>
-          <a:chOff x="0" y="0"/>
-          <a:chExt cx="0" cy="0"/>
-        </a:xfrm>
-      </p:grpSpPr>
-      <p:sp>
-        <p:nvSpPr>
-          <p:cNvPr id="7" name="Title 6">
-            <a:extLst>
-              <a:ext uri="{FF2B5EF4-FFF2-40B4-BE49-F238E27FC236}">
-                <a16:creationId xmlns:a16="http://schemas.microsoft.com/office/drawing/2014/main" id="{C9B84766-3AFB-4F8F-9D1A-CB67D27DA37A}"/>
-              </a:ext>
-            </a:extLst>
-          </p:cNvPr>
-          <p:cNvSpPr>
-            <a:spLocks noGrp="1"/>
-          </p:cNvSpPr>
-          <p:nvPr>
-            <p:ph type="title"/>
-          </p:nvPr>
-        </p:nvSpPr>
-        <p:spPr/>
-        <p:txBody>
-          <a:bodyPr/>
-          <a:lstStyle/>
-          <a:p>
-            <a:r>
-              <a:rPr lang="en-US" dirty="0"/>
-              <a:t>Airport map</a:t>
-            </a:r>
-          </a:p>
-        </p:txBody>
-      </p:sp>
-      <p:sp>
-        <p:nvSpPr>
-          <p:cNvPr id="10" name="Content Placeholder 9">
-            <a:extLst>
-              <a:ext uri="{FF2B5EF4-FFF2-40B4-BE49-F238E27FC236}">
-                <a16:creationId xmlns:a16="http://schemas.microsoft.com/office/drawing/2014/main" id="{20C0637E-CB48-4E66-967F-74CB5B4BC379}"/>
-              </a:ext>
-            </a:extLst>
-          </p:cNvPr>
-          <p:cNvSpPr>
-            <a:spLocks noGrp="1"/>
-          </p:cNvSpPr>
-          <p:nvPr>
-            <p:ph sz="half" idx="1"/>
-          </p:nvPr>
-        </p:nvSpPr>
-        <p:spPr/>
-        <p:txBody>
-          <a:bodyPr/>
-          <a:lstStyle/>
-          <a:p>
-            <a:endParaRPr lang="en-US" dirty="0"/>
-          </a:p>
-        </p:txBody>
-      </p:sp>
-      <p:sp>
-        <p:nvSpPr>
-          <p:cNvPr id="9" name="Content Placeholder 8">
-            <a:extLst>
-              <a:ext uri="{FF2B5EF4-FFF2-40B4-BE49-F238E27FC236}">
-                <a16:creationId xmlns:a16="http://schemas.microsoft.com/office/drawing/2014/main" id="{2AE7D1B6-7E5B-4D51-802E-DA1CC8C1309B}"/>
-              </a:ext>
-            </a:extLst>
-          </p:cNvPr>
-          <p:cNvSpPr>
-            <a:spLocks noGrp="1"/>
-          </p:cNvSpPr>
-          <p:nvPr>
-            <p:ph sz="half" idx="2"/>
-          </p:nvPr>
-        </p:nvSpPr>
-        <p:spPr/>
-        <p:txBody>
-          <a:bodyPr/>
-          <a:lstStyle/>
-          <a:p>
-            <a:endParaRPr lang="en-US" dirty="0"/>
-          </a:p>
-          <a:p>
-            <a:pPr>
-              <a:buFont typeface="Arial" panose="020B0604020202020204" pitchFamily="34" charset="0"/>
-              <a:buChar char="•"/>
-            </a:pPr>
-            <a:r>
-              <a:rPr lang="en-US" dirty="0"/>
-              <a:t>Heatmap using </a:t>
-            </a:r>
-            <a:r>
-              <a:rPr lang="en-US" dirty="0" err="1"/>
-              <a:t>js</a:t>
-            </a:r>
-            <a:r>
-              <a:rPr lang="en-US" dirty="0"/>
-              <a:t> </a:t>
-            </a:r>
-            <a:r>
-              <a:rPr lang="en-US" dirty="0" err="1"/>
-              <a:t>mapbox</a:t>
-            </a:r>
-            <a:r>
-              <a:rPr lang="en-US" dirty="0"/>
-              <a:t> and leaflet</a:t>
-            </a:r>
-          </a:p>
-          <a:p>
-            <a:pPr>
-              <a:buFont typeface="Arial" panose="020B0604020202020204" pitchFamily="34" charset="0"/>
-              <a:buChar char="•"/>
-            </a:pPr>
-            <a:r>
-              <a:rPr lang="en-US" dirty="0"/>
-              <a:t>Overlay of weather and </a:t>
-            </a:r>
-            <a:r>
-              <a:rPr lang="en-US" dirty="0" err="1"/>
-              <a:t>darkview</a:t>
-            </a:r>
-            <a:r>
-              <a:rPr lang="en-US" dirty="0"/>
-              <a:t> maps</a:t>
-            </a:r>
-          </a:p>
-          <a:p>
-            <a:pPr>
-              <a:buFont typeface="Arial" panose="020B0604020202020204" pitchFamily="34" charset="0"/>
-              <a:buChar char="•"/>
-            </a:pPr>
-            <a:r>
-              <a:rPr lang="en-US" dirty="0"/>
-              <a:t>Includes legend</a:t>
-            </a:r>
-          </a:p>
-          <a:p>
-            <a:pPr>
-              <a:buFont typeface="Arial" panose="020B0604020202020204" pitchFamily="34" charset="0"/>
-              <a:buChar char="•"/>
-            </a:pPr>
-            <a:r>
-              <a:rPr lang="en-US" dirty="0"/>
-              <a:t>Legend control and </a:t>
-            </a:r>
-            <a:r>
-              <a:rPr lang="en-US" dirty="0" err="1"/>
-              <a:t>hovertext</a:t>
-            </a:r>
-            <a:r>
-              <a:rPr lang="en-US" dirty="0"/>
-              <a:t> with flight info</a:t>
-            </a:r>
-          </a:p>
-          <a:p>
-            <a:endParaRPr lang="en-US" dirty="0"/>
-          </a:p>
-        </p:txBody>
-      </p:sp>
-    </p:spTree>
-    <p:extLst>
-      <p:ext uri="{BB962C8B-B14F-4D97-AF65-F5344CB8AC3E}">
-        <p14:creationId xmlns:p14="http://schemas.microsoft.com/office/powerpoint/2010/main" val="1433772995"/>
-      </p:ext>
-    </p:extLst>
-  </p:cSld>
-  <p:clrMapOvr>
-    <a:masterClrMapping/>
-  </p:clrMapOvr>
-</p:sld>
-</file>
-
 <file path=ppt/slides/slide9.xml><?xml version="1.0" encoding="utf-8"?>
 <p:sld xmlns:a="http://schemas.openxmlformats.org/drawingml/2006/main" xmlns:r="http://schemas.openxmlformats.org/officeDocument/2006/relationships" xmlns:p="http://schemas.openxmlformats.org/presentationml/2006/main">
   <p:cSld>
@@ -5415,10 +5320,10 @@
       </p:grpSpPr>
       <p:sp>
         <p:nvSpPr>
-          <p:cNvPr id="5" name="Title 4">
-            <a:extLst>
-              <a:ext uri="{FF2B5EF4-FFF2-40B4-BE49-F238E27FC236}">
-                <a16:creationId xmlns:a16="http://schemas.microsoft.com/office/drawing/2014/main" id="{C21B59AB-EED7-42F2-BCBD-FF45FDFE35D1}"/>
+          <p:cNvPr id="7" name="Title 6">
+            <a:extLst>
+              <a:ext uri="{FF2B5EF4-FFF2-40B4-BE49-F238E27FC236}">
+                <a16:creationId xmlns:a16="http://schemas.microsoft.com/office/drawing/2014/main" id="{C9B84766-3AFB-4F8F-9D1A-CB67D27DA37A}"/>
               </a:ext>
             </a:extLst>
           </p:cNvPr>
@@ -5432,7 +5337,42 @@
         <p:spPr>
           <a:xfrm>
             <a:off x="1097280" y="286603"/>
-            <a:ext cx="10058400" cy="837347"/>
+            <a:ext cx="10058400" cy="1450757"/>
+          </a:xfrm>
+        </p:spPr>
+        <p:txBody>
+          <a:bodyPr anchor="b">
+            <a:normAutofit/>
+          </a:bodyPr>
+          <a:lstStyle/>
+          <a:p>
+            <a:r>
+              <a:rPr lang="en-US" dirty="0"/>
+              <a:t>Airport map</a:t>
+            </a:r>
+          </a:p>
+        </p:txBody>
+      </p:sp>
+      <p:sp>
+        <p:nvSpPr>
+          <p:cNvPr id="9" name="Content Placeholder 8">
+            <a:extLst>
+              <a:ext uri="{FF2B5EF4-FFF2-40B4-BE49-F238E27FC236}">
+                <a16:creationId xmlns:a16="http://schemas.microsoft.com/office/drawing/2014/main" id="{2AE7D1B6-7E5B-4D51-802E-DA1CC8C1309B}"/>
+              </a:ext>
+            </a:extLst>
+          </p:cNvPr>
+          <p:cNvSpPr>
+            <a:spLocks noGrp="1"/>
+          </p:cNvSpPr>
+          <p:nvPr>
+            <p:ph sz="half" idx="1"/>
+          </p:nvPr>
+        </p:nvSpPr>
+        <p:spPr>
+          <a:xfrm>
+            <a:off x="1097280" y="2120900"/>
+            <a:ext cx="4639736" cy="3748193"/>
           </a:xfrm>
         </p:spPr>
         <p:txBody>
@@ -5441,27 +5381,59 @@
           </a:bodyPr>
           <a:lstStyle/>
           <a:p>
-            <a:r>
-              <a:rPr lang="en-US" sz="2400" dirty="0"/>
-              <a:t>Added </a:t>
-            </a:r>
-            <a:r>
-              <a:rPr lang="en-US" sz="2400" dirty="0" err="1"/>
-              <a:t>js</a:t>
-            </a:r>
-            <a:r>
-              <a:rPr lang="en-US" sz="2400" dirty="0"/>
-              <a:t> library feature</a:t>
-            </a:r>
+            <a:endParaRPr lang="en-US"/>
+          </a:p>
+          <a:p>
+            <a:pPr>
+              <a:buFont typeface="Arial" panose="020B0604020202020204" pitchFamily="34" charset="0"/>
+              <a:buChar char="•"/>
+            </a:pPr>
+            <a:r>
+              <a:rPr lang="en-US"/>
+              <a:t>Heatmap using js mapbox and leaflet</a:t>
+            </a:r>
+          </a:p>
+          <a:p>
+            <a:pPr>
+              <a:buFont typeface="Arial" panose="020B0604020202020204" pitchFamily="34" charset="0"/>
+              <a:buChar char="•"/>
+            </a:pPr>
+            <a:r>
+              <a:rPr lang="en-US"/>
+              <a:t>Overlay of weather and darkview maps</a:t>
+            </a:r>
+          </a:p>
+          <a:p>
+            <a:pPr>
+              <a:buFont typeface="Arial" panose="020B0604020202020204" pitchFamily="34" charset="0"/>
+              <a:buChar char="•"/>
+            </a:pPr>
+            <a:r>
+              <a:rPr lang="en-US"/>
+              <a:t>Includes legend</a:t>
+            </a:r>
+          </a:p>
+          <a:p>
+            <a:pPr>
+              <a:buFont typeface="Arial" panose="020B0604020202020204" pitchFamily="34" charset="0"/>
+              <a:buChar char="•"/>
+            </a:pPr>
+            <a:r>
+              <a:rPr lang="en-US"/>
+              <a:t>Legend control and hovertext with flight info</a:t>
+            </a:r>
+          </a:p>
+          <a:p>
+            <a:endParaRPr lang="en-US" dirty="0"/>
           </a:p>
         </p:txBody>
       </p:sp>
       <p:pic>
         <p:nvPicPr>
-          <p:cNvPr id="8" name="Content Placeholder 7">
-            <a:extLst>
-              <a:ext uri="{FF2B5EF4-FFF2-40B4-BE49-F238E27FC236}">
-                <a16:creationId xmlns:a16="http://schemas.microsoft.com/office/drawing/2014/main" id="{987F505A-7B42-4ED6-A525-F5F80E7380D4}"/>
+          <p:cNvPr id="2" name="Content Placeholder 1">
+            <a:extLst>
+              <a:ext uri="{FF2B5EF4-FFF2-40B4-BE49-F238E27FC236}">
+                <a16:creationId xmlns:a16="http://schemas.microsoft.com/office/drawing/2014/main" id="{C7C1AF2B-4965-4524-A51E-47397B4812CD}"/>
               </a:ext>
             </a:extLst>
           </p:cNvPr>
@@ -5469,7 +5441,7 @@
             <a:picLocks noGrp="1" noChangeAspect="1"/>
           </p:cNvPicPr>
           <p:nvPr>
-            <p:ph sz="half" idx="1"/>
+            <p:ph sz="half" idx="2"/>
           </p:nvPr>
         </p:nvPicPr>
         <p:blipFill>
@@ -5480,63 +5452,19 @@
         </p:blipFill>
         <p:spPr>
           <a:xfrm>
-            <a:off x="235751" y="2305050"/>
-            <a:ext cx="5501474" cy="2561103"/>
+            <a:off x="6515944" y="2591477"/>
+            <a:ext cx="4639736" cy="2807040"/>
           </a:xfrm>
           <a:prstGeom prst="rect">
             <a:avLst/>
           </a:prstGeom>
+          <a:noFill/>
         </p:spPr>
       </p:pic>
-      <p:sp>
-        <p:nvSpPr>
-          <p:cNvPr id="7" name="Content Placeholder 6">
-            <a:extLst>
-              <a:ext uri="{FF2B5EF4-FFF2-40B4-BE49-F238E27FC236}">
-                <a16:creationId xmlns:a16="http://schemas.microsoft.com/office/drawing/2014/main" id="{DB68A820-76E3-4D97-81C3-943F3330D5E7}"/>
-              </a:ext>
-            </a:extLst>
-          </p:cNvPr>
-          <p:cNvSpPr>
-            <a:spLocks noGrp="1"/>
-          </p:cNvSpPr>
-          <p:nvPr>
-            <p:ph sz="half" idx="2"/>
-          </p:nvPr>
-        </p:nvSpPr>
-        <p:spPr/>
-        <p:txBody>
-          <a:bodyPr/>
-          <a:lstStyle/>
-          <a:p>
-            <a:endParaRPr lang="en-US" dirty="0"/>
-          </a:p>
-          <a:p>
-            <a:pPr>
-              <a:buFont typeface="Arial" panose="020B0604020202020204" pitchFamily="34" charset="0"/>
-              <a:buChar char="•"/>
-            </a:pPr>
-            <a:r>
-              <a:rPr lang="en-US" dirty="0"/>
-              <a:t>Js plug in that allows data compilation</a:t>
-            </a:r>
-          </a:p>
-          <a:p>
-            <a:pPr>
-              <a:buFont typeface="Arial" panose="020B0604020202020204" pitchFamily="34" charset="0"/>
-              <a:buChar char="•"/>
-            </a:pPr>
-            <a:r>
-              <a:rPr lang="en-US" dirty="0"/>
-              <a:t>Pagination and search features.</a:t>
-            </a:r>
-          </a:p>
-        </p:txBody>
-      </p:sp>
     </p:spTree>
     <p:extLst>
       <p:ext uri="{BB962C8B-B14F-4D97-AF65-F5344CB8AC3E}">
-        <p14:creationId xmlns:p14="http://schemas.microsoft.com/office/powerpoint/2010/main" val="584990827"/>
+        <p14:creationId xmlns:p14="http://schemas.microsoft.com/office/powerpoint/2010/main" val="1433772995"/>
       </p:ext>
     </p:extLst>
   </p:cSld>
